--- a/presentation/linux_wlan.pptx
+++ b/presentation/linux_wlan.pptx
@@ -5373,6 +5373,7 @@
         </p:nvPicPr>
         <p:blipFill>
           <a:blip r:embed="rId2">
+            <a:lum bright="70000" contrast="-70000"/>
             <a:extLst>
               <a:ext uri="{28A0092B-C50C-407E-A947-70E740481C1C}">
                 <a14:useLocalDpi xmlns:a14="http://schemas.microsoft.com/office/drawing/2010/main" val="0"/>
@@ -5385,8 +5386,8 @@
         </p:blipFill>
         <p:spPr>
           <a:xfrm>
-            <a:off x="8121575" y="661324"/>
-            <a:ext cx="3303133" cy="2379288"/>
+            <a:off x="5847025" y="4701481"/>
+            <a:ext cx="1497637" cy="1078767"/>
           </a:xfrm>
           <a:prstGeom prst="rect">
             <a:avLst/>
@@ -5401,7 +5402,7 @@
         </p:nvSpPr>
         <p:spPr>
           <a:xfrm>
-            <a:off x="4919376" y="2736992"/>
+            <a:off x="7636406" y="2691781"/>
             <a:ext cx="2037737" cy="923330"/>
           </a:xfrm>
           <a:prstGeom prst="rect">
@@ -5455,8 +5456,8 @@
         </p:nvSpPr>
         <p:spPr>
           <a:xfrm>
-            <a:off x="3283654" y="844175"/>
-            <a:ext cx="2137124" cy="461665"/>
+            <a:off x="4479775" y="513052"/>
+            <a:ext cx="2864887" cy="584775"/>
           </a:xfrm>
           <a:prstGeom prst="rect">
             <a:avLst/>
@@ -5470,10 +5471,10 @@
           <a:lstStyle/>
           <a:p>
             <a:r>
-              <a:rPr lang="de-DE" sz="2400" b="1" dirty="0" smtClean="0"/>
+              <a:rPr lang="de-DE" sz="3200" b="1" spc="100" dirty="0" smtClean="0"/>
               <a:t>CHALLENGES</a:t>
             </a:r>
-            <a:endParaRPr lang="de-DE" b="1" dirty="0" smtClean="0"/>
+            <a:endParaRPr lang="de-DE" b="1" spc="100" dirty="0" smtClean="0"/>
           </a:p>
         </p:txBody>
       </p:sp>
@@ -5607,8 +5608,129 @@
           <p:nvPr/>
         </p:nvSpPr>
         <p:spPr>
-          <a:xfrm rot="19596352">
-            <a:off x="5202844" y="1401801"/>
+          <a:xfrm>
+            <a:off x="5540721" y="1374827"/>
+            <a:ext cx="645459" cy="1223665"/>
+          </a:xfrm>
+          <a:prstGeom prst="downArrow">
+            <a:avLst/>
+          </a:prstGeom>
+          <a:solidFill>
+            <a:schemeClr val="tx1"/>
+          </a:solidFill>
+          <a:ln>
+            <a:noFill/>
+          </a:ln>
+        </p:spPr>
+        <p:style>
+          <a:lnRef idx="2">
+            <a:schemeClr val="accent1">
+              <a:shade val="50000"/>
+            </a:schemeClr>
+          </a:lnRef>
+          <a:fillRef idx="1">
+            <a:schemeClr val="accent1"/>
+          </a:fillRef>
+          <a:effectRef idx="0">
+            <a:schemeClr val="accent1"/>
+          </a:effectRef>
+          <a:fontRef idx="minor">
+            <a:schemeClr val="lt1"/>
+          </a:fontRef>
+        </p:style>
+        <p:txBody>
+          <a:bodyPr rtlCol="0" anchor="ctr"/>
+          <a:lstStyle/>
+          <a:p>
+            <a:pPr algn="ctr"/>
+            <a:endParaRPr lang="de-DE"/>
+          </a:p>
+        </p:txBody>
+      </p:sp>
+      <p:sp>
+        <p:nvSpPr>
+          <p:cNvPr id="11" name="TextBox 10"/>
+          <p:cNvSpPr txBox="1"/>
+          <p:nvPr/>
+        </p:nvSpPr>
+        <p:spPr>
+          <a:xfrm>
+            <a:off x="4800376" y="2733004"/>
+            <a:ext cx="2544286" cy="1200329"/>
+          </a:xfrm>
+          <a:prstGeom prst="rect">
+            <a:avLst/>
+          </a:prstGeom>
+          <a:noFill/>
+        </p:spPr>
+        <p:txBody>
+          <a:bodyPr wrap="none" rtlCol="0">
+            <a:spAutoFit/>
+          </a:bodyPr>
+          <a:lstStyle/>
+          <a:p>
+            <a:pPr marL="285750" indent="-285750">
+              <a:buFontTx/>
+              <a:buChar char="-"/>
+            </a:pPr>
+            <a:r>
+              <a:rPr lang="de-DE" dirty="0" smtClean="0"/>
+              <a:t>CROSS COMPILER</a:t>
+            </a:r>
+            <a:endParaRPr lang="de-DE" dirty="0" smtClean="0"/>
+          </a:p>
+          <a:p>
+            <a:pPr marL="742950" lvl="1" indent="-285750">
+              <a:buFontTx/>
+              <a:buChar char="-"/>
+            </a:pPr>
+            <a:r>
+              <a:rPr lang="de-DE" dirty="0" err="1" smtClean="0"/>
+              <a:t>makefile</a:t>
+            </a:r>
+            <a:endParaRPr lang="de-DE" dirty="0" smtClean="0"/>
+          </a:p>
+          <a:p>
+            <a:pPr marL="742950" lvl="1" indent="-285750">
+              <a:buFontTx/>
+              <a:buChar char="-"/>
+            </a:pPr>
+            <a:r>
+              <a:rPr lang="de-DE" dirty="0" err="1"/>
+              <a:t>c</a:t>
+            </a:r>
+            <a:r>
+              <a:rPr lang="de-DE" dirty="0" err="1" smtClean="0"/>
+              <a:t>ompiler</a:t>
+            </a:r>
+            <a:r>
+              <a:rPr lang="de-DE" dirty="0" smtClean="0"/>
+              <a:t> </a:t>
+            </a:r>
+            <a:r>
+              <a:rPr lang="de-DE" dirty="0" err="1" smtClean="0"/>
+              <a:t>flags</a:t>
+            </a:r>
+            <a:endParaRPr lang="de-DE" dirty="0" smtClean="0"/>
+          </a:p>
+          <a:p>
+            <a:pPr marL="742950" lvl="1" indent="-285750">
+              <a:buFontTx/>
+              <a:buChar char="-"/>
+            </a:pPr>
+            <a:endParaRPr lang="de-DE" dirty="0" smtClean="0"/>
+          </a:p>
+        </p:txBody>
+      </p:sp>
+      <p:sp>
+        <p:nvSpPr>
+          <p:cNvPr id="12" name="Down Arrow 11"/>
+          <p:cNvSpPr/>
+          <p:nvPr/>
+        </p:nvSpPr>
+        <p:spPr>
+          <a:xfrm rot="20190232">
+            <a:off x="8332544" y="1392273"/>
             <a:ext cx="645459" cy="1223665"/>
           </a:xfrm>
           <a:prstGeom prst="downArrow">
@@ -5705,6 +5827,14 @@
             <a:r>
               <a:rPr lang="de-DE" dirty="0" err="1" smtClean="0"/>
               <a:t>linux</a:t>
+            </a:r>
+            <a:r>
+              <a:rPr lang="de-DE" dirty="0" smtClean="0"/>
+              <a:t> - </a:t>
+            </a:r>
+            <a:r>
+              <a:rPr lang="de-DE" dirty="0" err="1" smtClean="0"/>
+              <a:t>buildroot</a:t>
             </a:r>
             <a:endParaRPr lang="de-DE" dirty="0"/>
           </a:p>
